--- a/Images/degree_ratio_distributions.pptx
+++ b/Images/degree_ratio_distributions.pptx
@@ -104,6 +104,11 @@
       </a:defRPr>
     </a:lvl9pPr>
   </p:defaultTextStyle>
+  <p:extLst>
+    <p:ext uri="{EFAFB233-063F-42B5-8137-9DF3F51BA10A}">
+      <p15:sldGuideLst xmlns:p15="http://schemas.microsoft.com/office/powerpoint/2012/main"/>
+    </p:ext>
+  </p:extLst>
 </p:presentation>
 </file>
 
@@ -3049,7 +3054,7 @@
         <p:spPr>
           <a:xfrm>
             <a:off x="4619703" y="743344"/>
-            <a:ext cx="4319023" cy="2919182"/>
+            <a:ext cx="4253607" cy="2874968"/>
           </a:xfrm>
           <a:prstGeom prst="rect">
             <a:avLst/>
@@ -3078,8 +3083,8 @@
         </p:blipFill>
         <p:spPr>
           <a:xfrm>
-            <a:off x="4584341" y="3765299"/>
-            <a:ext cx="4319415" cy="3092701"/>
+            <a:off x="4584341" y="3787098"/>
+            <a:ext cx="4288969" cy="3070902"/>
           </a:xfrm>
           <a:prstGeom prst="rect">
             <a:avLst/>
@@ -3100,8 +3105,8 @@
         </p:nvSpPr>
         <p:spPr>
           <a:xfrm>
-            <a:off x="2183363" y="574067"/>
-            <a:ext cx="846707" cy="338554"/>
+            <a:off x="2225040" y="620233"/>
+            <a:ext cx="763351" cy="307777"/>
           </a:xfrm>
           <a:prstGeom prst="rect">
             <a:avLst/>
@@ -3117,7 +3122,7 @@
           <a:lstStyle/>
           <a:p>
             <a:r>
-              <a:rPr lang="en-US" sz="1600" dirty="0">
+              <a:rPr lang="en-US" sz="1400" dirty="0">
                 <a:latin typeface="Times New Roman" panose="02020603050405020304" pitchFamily="18" charset="0"/>
                 <a:cs typeface="Times New Roman" panose="02020603050405020304" pitchFamily="18" charset="0"/>
               </a:rPr>
@@ -3220,7 +3225,7 @@
         </p:nvSpPr>
         <p:spPr>
           <a:xfrm>
-            <a:off x="5872900" y="3524026"/>
+            <a:off x="5872900" y="3523774"/>
             <a:ext cx="2456122" cy="276999"/>
           </a:xfrm>
           <a:prstGeom prst="rect">
@@ -3682,6 +3687,126 @@
                 <a:cs typeface="Times New Roman" panose="02020603050405020304" pitchFamily="18" charset="0"/>
               </a:rPr>
               <a:t>Network-Derived Negatives</a:t>
+            </a:r>
+          </a:p>
+        </p:txBody>
+      </p:sp>
+      <p:sp>
+        <p:nvSpPr>
+          <p:cNvPr id="29" name="TextBox 28">
+            <a:extLst>
+              <a:ext uri="{FF2B5EF4-FFF2-40B4-BE49-F238E27FC236}">
+                <a16:creationId xmlns:a16="http://schemas.microsoft.com/office/drawing/2014/main" id="{A883B9BC-C996-4D2E-8A1F-089C29C7A633}"/>
+              </a:ext>
+            </a:extLst>
+          </p:cNvPr>
+          <p:cNvSpPr txBox="1"/>
+          <p:nvPr/>
+        </p:nvSpPr>
+        <p:spPr>
+          <a:xfrm>
+            <a:off x="6676163" y="662889"/>
+            <a:ext cx="763351" cy="307777"/>
+          </a:xfrm>
+          <a:prstGeom prst="rect">
+            <a:avLst/>
+          </a:prstGeom>
+          <a:solidFill>
+            <a:schemeClr val="bg1"/>
+          </a:solidFill>
+        </p:spPr>
+        <p:txBody>
+          <a:bodyPr wrap="none" rtlCol="0">
+            <a:spAutoFit/>
+          </a:bodyPr>
+          <a:lstStyle/>
+          <a:p>
+            <a:r>
+              <a:rPr lang="en-US" sz="1400" dirty="0">
+                <a:latin typeface="Times New Roman" panose="02020603050405020304" pitchFamily="18" charset="0"/>
+                <a:cs typeface="Times New Roman" panose="02020603050405020304" pitchFamily="18" charset="0"/>
+              </a:rPr>
+              <a:t>Ligands</a:t>
+            </a:r>
+          </a:p>
+        </p:txBody>
+      </p:sp>
+      <p:sp>
+        <p:nvSpPr>
+          <p:cNvPr id="30" name="TextBox 29">
+            <a:extLst>
+              <a:ext uri="{FF2B5EF4-FFF2-40B4-BE49-F238E27FC236}">
+                <a16:creationId xmlns:a16="http://schemas.microsoft.com/office/drawing/2014/main" id="{67B6CEFC-13AF-4209-8424-13A1DD738C3F}"/>
+              </a:ext>
+            </a:extLst>
+          </p:cNvPr>
+          <p:cNvSpPr txBox="1"/>
+          <p:nvPr/>
+        </p:nvSpPr>
+        <p:spPr>
+          <a:xfrm>
+            <a:off x="2167051" y="3703262"/>
+            <a:ext cx="707438" cy="307777"/>
+          </a:xfrm>
+          <a:prstGeom prst="rect">
+            <a:avLst/>
+          </a:prstGeom>
+          <a:solidFill>
+            <a:schemeClr val="bg1"/>
+          </a:solidFill>
+        </p:spPr>
+        <p:txBody>
+          <a:bodyPr wrap="none" rtlCol="0">
+            <a:spAutoFit/>
+          </a:bodyPr>
+          <a:lstStyle/>
+          <a:p>
+            <a:r>
+              <a:rPr lang="en-US" sz="1400" dirty="0">
+                <a:latin typeface="Times New Roman" panose="02020603050405020304" pitchFamily="18" charset="0"/>
+                <a:cs typeface="Times New Roman" panose="02020603050405020304" pitchFamily="18" charset="0"/>
+              </a:rPr>
+              <a:t>Targets</a:t>
+            </a:r>
+          </a:p>
+        </p:txBody>
+      </p:sp>
+      <p:sp>
+        <p:nvSpPr>
+          <p:cNvPr id="31" name="TextBox 30">
+            <a:extLst>
+              <a:ext uri="{FF2B5EF4-FFF2-40B4-BE49-F238E27FC236}">
+                <a16:creationId xmlns:a16="http://schemas.microsoft.com/office/drawing/2014/main" id="{B9DC3A2B-0A12-48A8-A7C2-71F34EDEC3E1}"/>
+              </a:ext>
+            </a:extLst>
+          </p:cNvPr>
+          <p:cNvSpPr txBox="1"/>
+          <p:nvPr/>
+        </p:nvSpPr>
+        <p:spPr>
+          <a:xfrm>
+            <a:off x="6719285" y="3728577"/>
+            <a:ext cx="938037" cy="307777"/>
+          </a:xfrm>
+          <a:prstGeom prst="rect">
+            <a:avLst/>
+          </a:prstGeom>
+          <a:solidFill>
+            <a:schemeClr val="bg1"/>
+          </a:solidFill>
+        </p:spPr>
+        <p:txBody>
+          <a:bodyPr wrap="square" rtlCol="0">
+            <a:spAutoFit/>
+          </a:bodyPr>
+          <a:lstStyle/>
+          <a:p>
+            <a:r>
+              <a:rPr lang="en-US" sz="1400" dirty="0">
+                <a:latin typeface="Times New Roman" panose="02020603050405020304" pitchFamily="18" charset="0"/>
+                <a:cs typeface="Times New Roman" panose="02020603050405020304" pitchFamily="18" charset="0"/>
+              </a:rPr>
+              <a:t>Targets</a:t>
             </a:r>
           </a:p>
         </p:txBody>

--- a/Images/degree_ratio_distributions.pptx
+++ b/Images/degree_ratio_distributions.pptx
@@ -2993,8 +2993,8 @@
         </p:blipFill>
         <p:spPr>
           <a:xfrm>
-            <a:off x="148951" y="743344"/>
-            <a:ext cx="4418976" cy="3026224"/>
+            <a:off x="392133" y="826789"/>
+            <a:ext cx="3900535" cy="2671183"/>
           </a:xfrm>
           <a:prstGeom prst="rect">
             <a:avLst/>
@@ -3023,8 +3023,8 @@
         </p:blipFill>
         <p:spPr>
           <a:xfrm>
-            <a:off x="240244" y="3844135"/>
-            <a:ext cx="4236390" cy="3013865"/>
+            <a:off x="465106" y="3934077"/>
+            <a:ext cx="3802478" cy="2705169"/>
           </a:xfrm>
           <a:prstGeom prst="rect">
             <a:avLst/>
@@ -3053,8 +3053,8 @@
         </p:blipFill>
         <p:spPr>
           <a:xfrm>
-            <a:off x="4619703" y="743344"/>
-            <a:ext cx="4253607" cy="2874968"/>
+            <a:off x="4896702" y="792992"/>
+            <a:ext cx="3900058" cy="2636008"/>
           </a:xfrm>
           <a:prstGeom prst="rect">
             <a:avLst/>
@@ -3083,8 +3083,8 @@
         </p:blipFill>
         <p:spPr>
           <a:xfrm>
-            <a:off x="4584341" y="3787098"/>
-            <a:ext cx="4288969" cy="3070902"/>
+            <a:off x="4842041" y="3830361"/>
+            <a:ext cx="4009380" cy="2870716"/>
           </a:xfrm>
           <a:prstGeom prst="rect">
             <a:avLst/>
@@ -3105,7 +3105,7 @@
         </p:nvSpPr>
         <p:spPr>
           <a:xfrm>
-            <a:off x="2225040" y="620233"/>
+            <a:off x="2172307" y="677294"/>
             <a:ext cx="763351" cy="307777"/>
           </a:xfrm>
           <a:prstGeom prst="rect">
@@ -3145,7 +3145,7 @@
         </p:nvSpPr>
         <p:spPr>
           <a:xfrm>
-            <a:off x="1378655" y="3488300"/>
+            <a:off x="1510486" y="3271152"/>
             <a:ext cx="2456122" cy="276999"/>
           </a:xfrm>
           <a:prstGeom prst="rect">
@@ -3185,7 +3185,7 @@
         </p:nvSpPr>
         <p:spPr>
           <a:xfrm>
-            <a:off x="1378655" y="6581001"/>
+            <a:off x="1398701" y="6362247"/>
             <a:ext cx="2456122" cy="276999"/>
           </a:xfrm>
           <a:prstGeom prst="rect">
@@ -3225,7 +3225,7 @@
         </p:nvSpPr>
         <p:spPr>
           <a:xfrm>
-            <a:off x="5872900" y="3523774"/>
+            <a:off x="5960242" y="3301789"/>
             <a:ext cx="2456122" cy="276999"/>
           </a:xfrm>
           <a:prstGeom prst="rect">
@@ -3265,7 +3265,7 @@
         </p:nvSpPr>
         <p:spPr>
           <a:xfrm>
-            <a:off x="5872900" y="6581001"/>
+            <a:off x="5960242" y="6467341"/>
             <a:ext cx="2456122" cy="276999"/>
           </a:xfrm>
           <a:prstGeom prst="rect">
@@ -3305,7 +3305,7 @@
         </p:nvSpPr>
         <p:spPr>
           <a:xfrm rot="16200000">
-            <a:off x="-414198" y="1601489"/>
+            <a:off x="-230364" y="1616159"/>
             <a:ext cx="1509835" cy="276999"/>
           </a:xfrm>
           <a:prstGeom prst="rect">
@@ -3345,7 +3345,7 @@
         </p:nvSpPr>
         <p:spPr>
           <a:xfrm rot="16200000">
-            <a:off x="4003285" y="1601489"/>
+            <a:off x="4258203" y="1601489"/>
             <a:ext cx="1509835" cy="276999"/>
           </a:xfrm>
           <a:prstGeom prst="rect">
@@ -3385,7 +3385,7 @@
         </p:nvSpPr>
         <p:spPr>
           <a:xfrm rot="16200000">
-            <a:off x="4003285" y="4646379"/>
+            <a:off x="4237200" y="4655824"/>
             <a:ext cx="1509835" cy="276999"/>
           </a:xfrm>
           <a:prstGeom prst="rect">
@@ -3425,7 +3425,7 @@
         </p:nvSpPr>
         <p:spPr>
           <a:xfrm rot="16200000">
-            <a:off x="-376174" y="4625465"/>
+            <a:off x="-250322" y="4636994"/>
             <a:ext cx="1509835" cy="276999"/>
           </a:xfrm>
           <a:prstGeom prst="rect">
@@ -3705,7 +3705,7 @@
         </p:nvSpPr>
         <p:spPr>
           <a:xfrm>
-            <a:off x="6676163" y="662889"/>
+            <a:off x="6710024" y="677294"/>
             <a:ext cx="763351" cy="307777"/>
           </a:xfrm>
           <a:prstGeom prst="rect">
@@ -3745,7 +3745,7 @@
         </p:nvSpPr>
         <p:spPr>
           <a:xfrm>
-            <a:off x="2167051" y="3703262"/>
+            <a:off x="2228220" y="3787098"/>
             <a:ext cx="707438" cy="307777"/>
           </a:xfrm>
           <a:prstGeom prst="rect">
@@ -3785,7 +3785,7 @@
         </p:nvSpPr>
         <p:spPr>
           <a:xfrm>
-            <a:off x="6719285" y="3728577"/>
+            <a:off x="6781489" y="3759623"/>
             <a:ext cx="938037" cy="307777"/>
           </a:xfrm>
           <a:prstGeom prst="rect">
